--- a/Internship Summary Presentation.pptx
+++ b/Internship Summary Presentation.pptx
@@ -175,7 +175,6 @@
               <a:rPr lang="en-US"/>
               <a:t>Click to edit Master title style</a:t>
             </a:r>
-            <a:endParaRPr lang="en-US"/>
           </a:p>
         </p:txBody>
       </p:sp>
@@ -240,7 +239,6 @@
               <a:rPr lang="en-US"/>
               <a:t>Click to edit Master subtitle style</a:t>
             </a:r>
-            <a:endParaRPr lang="en-US"/>
           </a:p>
         </p:txBody>
       </p:sp>
@@ -261,7 +259,7 @@
           <a:p>
             <a:fld id="{DD7B364C-F48E-423B-B934-E8CFEC07FDCE}" type="datetimeFigureOut">
               <a:rPr lang="en-US" smtClean="0"/>
-              <a:t>8/4/2017</a:t>
+              <a:t>1/1/1980</a:t>
             </a:fld>
             <a:endParaRPr lang="en-US"/>
           </a:p>
@@ -358,7 +356,6 @@
               <a:rPr lang="en-US"/>
               <a:t>Click to edit Master title style</a:t>
             </a:r>
-            <a:endParaRPr lang="en-US"/>
           </a:p>
         </p:txBody>
       </p:sp>
@@ -410,7 +407,6 @@
               <a:rPr lang="en-US"/>
               <a:t>Fifth level</a:t>
             </a:r>
-            <a:endParaRPr lang="en-US"/>
           </a:p>
         </p:txBody>
       </p:sp>
@@ -431,7 +427,7 @@
           <a:p>
             <a:fld id="{DD7B364C-F48E-423B-B934-E8CFEC07FDCE}" type="datetimeFigureOut">
               <a:rPr lang="en-US" smtClean="0"/>
-              <a:t>8/4/2017</a:t>
+              <a:t>1/1/1980</a:t>
             </a:fld>
             <a:endParaRPr lang="en-US"/>
           </a:p>
@@ -533,7 +529,6 @@
               <a:rPr lang="en-US"/>
               <a:t>Click to edit Master title style</a:t>
             </a:r>
-            <a:endParaRPr lang="en-US"/>
           </a:p>
         </p:txBody>
       </p:sp>
@@ -590,7 +585,6 @@
               <a:rPr lang="en-US"/>
               <a:t>Fifth level</a:t>
             </a:r>
-            <a:endParaRPr lang="en-US"/>
           </a:p>
         </p:txBody>
       </p:sp>
@@ -611,7 +605,7 @@
           <a:p>
             <a:fld id="{DD7B364C-F48E-423B-B934-E8CFEC07FDCE}" type="datetimeFigureOut">
               <a:rPr lang="en-US" smtClean="0"/>
-              <a:t>8/4/2017</a:t>
+              <a:t>1/1/1980</a:t>
             </a:fld>
             <a:endParaRPr lang="en-US"/>
           </a:p>
@@ -708,7 +702,6 @@
               <a:rPr lang="en-US"/>
               <a:t>Click to edit Master title style</a:t>
             </a:r>
-            <a:endParaRPr lang="en-US"/>
           </a:p>
         </p:txBody>
       </p:sp>
@@ -760,7 +753,6 @@
               <a:rPr lang="en-US"/>
               <a:t>Fifth level</a:t>
             </a:r>
-            <a:endParaRPr lang="en-US"/>
           </a:p>
         </p:txBody>
       </p:sp>
@@ -781,7 +773,7 @@
           <a:p>
             <a:fld id="{DD7B364C-F48E-423B-B934-E8CFEC07FDCE}" type="datetimeFigureOut">
               <a:rPr lang="en-US" smtClean="0"/>
-              <a:t>8/4/2017</a:t>
+              <a:t>1/1/1980</a:t>
             </a:fld>
             <a:endParaRPr lang="en-US"/>
           </a:p>
@@ -887,7 +879,6 @@
               <a:rPr lang="en-US"/>
               <a:t>Click to edit Master title style</a:t>
             </a:r>
-            <a:endParaRPr lang="en-US"/>
           </a:p>
         </p:txBody>
       </p:sp>
@@ -1027,7 +1018,7 @@
           <a:p>
             <a:fld id="{DD7B364C-F48E-423B-B934-E8CFEC07FDCE}" type="datetimeFigureOut">
               <a:rPr lang="en-US" smtClean="0"/>
-              <a:t>8/4/2017</a:t>
+              <a:t>1/1/1980</a:t>
             </a:fld>
             <a:endParaRPr lang="en-US"/>
           </a:p>
@@ -1124,7 +1115,6 @@
               <a:rPr lang="en-US"/>
               <a:t>Click to edit Master title style</a:t>
             </a:r>
-            <a:endParaRPr lang="en-US"/>
           </a:p>
         </p:txBody>
       </p:sp>
@@ -1181,7 +1171,6 @@
               <a:rPr lang="en-US"/>
               <a:t>Fifth level</a:t>
             </a:r>
-            <a:endParaRPr lang="en-US"/>
           </a:p>
         </p:txBody>
       </p:sp>
@@ -1238,7 +1227,6 @@
               <a:rPr lang="en-US"/>
               <a:t>Fifth level</a:t>
             </a:r>
-            <a:endParaRPr lang="en-US"/>
           </a:p>
         </p:txBody>
       </p:sp>
@@ -1259,7 +1247,7 @@
           <a:p>
             <a:fld id="{DD7B364C-F48E-423B-B934-E8CFEC07FDCE}" type="datetimeFigureOut">
               <a:rPr lang="en-US" smtClean="0"/>
-              <a:t>8/4/2017</a:t>
+              <a:t>1/1/1980</a:t>
             </a:fld>
             <a:endParaRPr lang="en-US"/>
           </a:p>
@@ -1361,7 +1349,6 @@
               <a:rPr lang="en-US"/>
               <a:t>Click to edit Master title style</a:t>
             </a:r>
-            <a:endParaRPr lang="en-US"/>
           </a:p>
         </p:txBody>
       </p:sp>
@@ -1483,7 +1470,6 @@
               <a:rPr lang="en-US"/>
               <a:t>Fifth level</a:t>
             </a:r>
-            <a:endParaRPr lang="en-US"/>
           </a:p>
         </p:txBody>
       </p:sp>
@@ -1605,7 +1591,6 @@
               <a:rPr lang="en-US"/>
               <a:t>Fifth level</a:t>
             </a:r>
-            <a:endParaRPr lang="en-US"/>
           </a:p>
         </p:txBody>
       </p:sp>
@@ -1626,7 +1611,7 @@
           <a:p>
             <a:fld id="{DD7B364C-F48E-423B-B934-E8CFEC07FDCE}" type="datetimeFigureOut">
               <a:rPr lang="en-US" smtClean="0"/>
-              <a:t>8/4/2017</a:t>
+              <a:t>1/1/1980</a:t>
             </a:fld>
             <a:endParaRPr lang="en-US"/>
           </a:p>
@@ -1723,7 +1708,6 @@
               <a:rPr lang="en-US"/>
               <a:t>Click to edit Master title style</a:t>
             </a:r>
-            <a:endParaRPr lang="en-US"/>
           </a:p>
         </p:txBody>
       </p:sp>
@@ -1744,7 +1728,7 @@
           <a:p>
             <a:fld id="{DD7B364C-F48E-423B-B934-E8CFEC07FDCE}" type="datetimeFigureOut">
               <a:rPr lang="en-US" smtClean="0"/>
-              <a:t>8/4/2017</a:t>
+              <a:t>1/1/1980</a:t>
             </a:fld>
             <a:endParaRPr lang="en-US"/>
           </a:p>
@@ -1839,7 +1823,7 @@
           <a:p>
             <a:fld id="{DD7B364C-F48E-423B-B934-E8CFEC07FDCE}" type="datetimeFigureOut">
               <a:rPr lang="en-US" smtClean="0"/>
-              <a:t>8/4/2017</a:t>
+              <a:t>1/1/1980</a:t>
             </a:fld>
             <a:endParaRPr lang="en-US"/>
           </a:p>
@@ -1945,7 +1929,6 @@
               <a:rPr lang="en-US"/>
               <a:t>Click to edit Master title style</a:t>
             </a:r>
-            <a:endParaRPr lang="en-US"/>
           </a:p>
         </p:txBody>
       </p:sp>
@@ -2030,7 +2013,6 @@
               <a:rPr lang="en-US"/>
               <a:t>Fifth level</a:t>
             </a:r>
-            <a:endParaRPr lang="en-US"/>
           </a:p>
         </p:txBody>
       </p:sp>
@@ -2116,7 +2098,7 @@
           <a:p>
             <a:fld id="{DD7B364C-F48E-423B-B934-E8CFEC07FDCE}" type="datetimeFigureOut">
               <a:rPr lang="en-US" smtClean="0"/>
-              <a:t>8/4/2017</a:t>
+              <a:t>1/1/1980</a:t>
             </a:fld>
             <a:endParaRPr lang="en-US"/>
           </a:p>
@@ -2222,7 +2204,6 @@
               <a:rPr lang="en-US"/>
               <a:t>Click to edit Master title style</a:t>
             </a:r>
-            <a:endParaRPr lang="en-US"/>
           </a:p>
         </p:txBody>
       </p:sp>
@@ -2369,7 +2350,7 @@
           <a:p>
             <a:fld id="{DD7B364C-F48E-423B-B934-E8CFEC07FDCE}" type="datetimeFigureOut">
               <a:rPr lang="en-US" smtClean="0"/>
-              <a:t>8/4/2017</a:t>
+              <a:t>1/1/1980</a:t>
             </a:fld>
             <a:endParaRPr lang="en-US"/>
           </a:p>
@@ -2481,7 +2462,6 @@
               <a:rPr lang="en-US"/>
               <a:t>Click to edit Master title style</a:t>
             </a:r>
-            <a:endParaRPr lang="en-US"/>
           </a:p>
         </p:txBody>
       </p:sp>
@@ -2543,7 +2523,6 @@
               <a:rPr lang="en-US"/>
               <a:t>Fifth level</a:t>
             </a:r>
-            <a:endParaRPr lang="en-US"/>
           </a:p>
         </p:txBody>
       </p:sp>
@@ -2582,7 +2561,7 @@
           <a:p>
             <a:fld id="{DD7B364C-F48E-423B-B934-E8CFEC07FDCE}" type="datetimeFigureOut">
               <a:rPr lang="en-US" smtClean="0"/>
-              <a:t>8/4/2017</a:t>
+              <a:t>1/1/1980</a:t>
             </a:fld>
             <a:endParaRPr lang="en-US"/>
           </a:p>
@@ -3312,6 +3291,24 @@
           <a:bodyPr/>
           <a:lstStyle/>
           <a:p>
+            <a:r>
+              <a:rPr lang="en-US" dirty="0">
+                <a:latin typeface="Times New Roman" panose="02020603050405020304" pitchFamily="18" charset="0"/>
+                <a:cs typeface="Times New Roman" panose="02020603050405020304" pitchFamily="18" charset="0"/>
+              </a:rPr>
+              <a:t>BlueJay project</a:t>
+            </a:r>
+          </a:p>
+          <a:p>
+            <a:r>
+              <a:rPr lang="en-US" dirty="0">
+                <a:latin typeface="Times New Roman" panose="02020603050405020304" pitchFamily="18" charset="0"/>
+                <a:cs typeface="Times New Roman" panose="02020603050405020304" pitchFamily="18" charset="0"/>
+              </a:rPr>
+              <a:t>Software</a:t>
+            </a:r>
+          </a:p>
+          <a:p>
             <a:endParaRPr lang="en-US" dirty="0">
               <a:latin typeface="Times New Roman" panose="02020603050405020304" pitchFamily="18" charset="0"/>
               <a:cs typeface="Times New Roman" panose="02020603050405020304" pitchFamily="18" charset="0"/>
@@ -3517,6 +3514,50 @@
           <a:bodyPr/>
           <a:lstStyle/>
           <a:p>
+            <a:r>
+              <a:rPr lang="en-US" dirty="0"/>
+              <a:t>Ran tests for different touchscreen firmware releases.</a:t>
+            </a:r>
+          </a:p>
+          <a:p>
+            <a:r>
+              <a:rPr lang="en-US" dirty="0"/>
+              <a:t>Written 11 new methods or enhancements to existing methods in the CommandLib.</a:t>
+            </a:r>
+          </a:p>
+          <a:p>
+            <a:r>
+              <a:rPr lang="en-US" dirty="0"/>
+              <a:t>Made changes to scripts to reflect changes made in touchscreen firmware.</a:t>
+            </a:r>
+          </a:p>
+          <a:p>
+            <a:r>
+              <a:rPr lang="en-US" dirty="0"/>
+              <a:t>Performed a smoke test for  </a:t>
+            </a:r>
+          </a:p>
+          <a:p>
+            <a:r>
+              <a:rPr lang="en-US" dirty="0"/>
+              <a:t>Merged the two variations of </a:t>
+            </a:r>
+            <a:r>
+              <a:rPr lang="en-US" dirty="0" err="1"/>
+              <a:t>BlueJay_FWTS</a:t>
+            </a:r>
+            <a:r>
+              <a:rPr lang="en-US" dirty="0"/>
+              <a:t> into one solution with comprehensive test scripts and updated library.</a:t>
+            </a:r>
+          </a:p>
+          <a:p>
+            <a:endParaRPr lang="en-US" dirty="0"/>
+          </a:p>
+          <a:p>
+            <a:endParaRPr lang="en-US" dirty="0"/>
+          </a:p>
+          <a:p>
             <a:endParaRPr lang="en-US" dirty="0"/>
           </a:p>
         </p:txBody>
@@ -3591,7 +3632,13 @@
           <a:bodyPr/>
           <a:lstStyle/>
           <a:p>
-            <a:endParaRPr lang="en-US"/>
+            <a:r>
+              <a:rPr lang="en-US" dirty="0"/>
+              <a:t>Running and debugging scripts can be more tedious than expected.</a:t>
+            </a:r>
+          </a:p>
+          <a:p>
+            <a:endParaRPr lang="en-US" dirty="0"/>
           </a:p>
         </p:txBody>
       </p:sp>
@@ -3665,7 +3712,53 @@
           <a:bodyPr/>
           <a:lstStyle/>
           <a:p>
-            <a:endParaRPr lang="en-US"/>
+            <a:r>
+              <a:rPr lang="en-US" dirty="0"/>
+              <a:t>Become proficient with </a:t>
+            </a:r>
+          </a:p>
+          <a:p>
+            <a:pPr lvl="1"/>
+            <a:r>
+              <a:rPr lang="en-US" sz="2600" dirty="0"/>
+              <a:t>the use of Visual Basic and C#</a:t>
+            </a:r>
+          </a:p>
+          <a:p>
+            <a:pPr lvl="1"/>
+            <a:r>
+              <a:rPr lang="en-US" sz="2600"/>
+              <a:t>T</a:t>
+            </a:r>
+            <a:endParaRPr lang="en-US" sz="2600" dirty="0"/>
+          </a:p>
+          <a:p>
+            <a:pPr lvl="1"/>
+            <a:r>
+              <a:rPr lang="en-US" sz="2600" dirty="0"/>
+              <a:t>the use of related programs (e.g. Exquisitor)</a:t>
+            </a:r>
+          </a:p>
+          <a:p>
+            <a:pPr lvl="1"/>
+            <a:r>
+              <a:rPr lang="en-US" sz="2600" dirty="0"/>
+              <a:t>BlueJay touchscreen firmware</a:t>
+            </a:r>
+          </a:p>
+          <a:p>
+            <a:pPr lvl="1"/>
+            <a:r>
+              <a:rPr lang="en-US" sz="2600" dirty="0"/>
+              <a:t>navigating Team Foundation Server to log and view defects</a:t>
+            </a:r>
+          </a:p>
+          <a:p>
+            <a:pPr lvl="1"/>
+            <a:endParaRPr lang="en-US" sz="2600" dirty="0"/>
+          </a:p>
+          <a:p>
+            <a:endParaRPr lang="en-US" dirty="0"/>
           </a:p>
         </p:txBody>
       </p:sp>

--- a/Internship Summary Presentation.pptx
+++ b/Internship Summary Presentation.pptx
@@ -4,15 +4,17 @@
   <p:sldMasterIdLst>
     <p:sldMasterId id="2147483648" r:id="rId1"/>
   </p:sldMasterIdLst>
+  <p:notesMasterIdLst>
+    <p:notesMasterId r:id="rId9"/>
+  </p:notesMasterIdLst>
   <p:sldIdLst>
     <p:sldId id="256" r:id="rId2"/>
-    <p:sldId id="257" r:id="rId3"/>
-    <p:sldId id="258" r:id="rId4"/>
-    <p:sldId id="260" r:id="rId5"/>
-    <p:sldId id="259" r:id="rId6"/>
-    <p:sldId id="261" r:id="rId7"/>
-    <p:sldId id="262" r:id="rId8"/>
-    <p:sldId id="264" r:id="rId9"/>
+    <p:sldId id="258" r:id="rId3"/>
+    <p:sldId id="260" r:id="rId4"/>
+    <p:sldId id="259" r:id="rId5"/>
+    <p:sldId id="261" r:id="rId6"/>
+    <p:sldId id="262" r:id="rId7"/>
+    <p:sldId id="264" r:id="rId8"/>
   </p:sldIdLst>
   <p:sldSz cx="12192000" cy="6858000"/>
   <p:notesSz cx="6858000" cy="9144000"/>
@@ -130,6 +132,355 @@
 </p:presentation>
 </file>
 
+<file path=ppt/notesMasters/notesMaster1.xml><?xml version="1.0" encoding="utf-8"?>
+<p:notesMaster xmlns:a="http://schemas.openxmlformats.org/drawingml/2006/main" xmlns:r="http://schemas.openxmlformats.org/officeDocument/2006/relationships" xmlns:p="http://schemas.openxmlformats.org/presentationml/2006/main">
+  <p:cSld>
+    <p:bg>
+      <p:bgRef idx="1001">
+        <a:schemeClr val="bg1"/>
+      </p:bgRef>
+    </p:bg>
+    <p:spTree>
+      <p:nvGrpSpPr>
+        <p:cNvPr id="1" name=""/>
+        <p:cNvGrpSpPr/>
+        <p:nvPr/>
+      </p:nvGrpSpPr>
+      <p:grpSpPr>
+        <a:xfrm>
+          <a:off x="0" y="0"/>
+          <a:ext cx="0" cy="0"/>
+          <a:chOff x="0" y="0"/>
+          <a:chExt cx="0" cy="0"/>
+        </a:xfrm>
+      </p:grpSpPr>
+      <p:sp>
+        <p:nvSpPr>
+          <p:cNvPr id="2" name="Header Placeholder 1"/>
+          <p:cNvSpPr>
+            <a:spLocks noGrp="1"/>
+          </p:cNvSpPr>
+          <p:nvPr>
+            <p:ph type="hdr" sz="quarter"/>
+          </p:nvPr>
+        </p:nvSpPr>
+        <p:spPr>
+          <a:xfrm>
+            <a:off x="0" y="0"/>
+            <a:ext cx="2971800" cy="458788"/>
+          </a:xfrm>
+          <a:prstGeom prst="rect">
+            <a:avLst/>
+          </a:prstGeom>
+        </p:spPr>
+        <p:txBody>
+          <a:bodyPr vert="horz" lIns="91440" tIns="45720" rIns="91440" bIns="45720" rtlCol="0"/>
+          <a:lstStyle>
+            <a:lvl1pPr algn="l">
+              <a:defRPr sz="1200"/>
+            </a:lvl1pPr>
+          </a:lstStyle>
+          <a:p>
+            <a:endParaRPr lang="en-US" dirty="0"/>
+          </a:p>
+        </p:txBody>
+      </p:sp>
+      <p:sp>
+        <p:nvSpPr>
+          <p:cNvPr id="3" name="Date Placeholder 2"/>
+          <p:cNvSpPr>
+            <a:spLocks noGrp="1"/>
+          </p:cNvSpPr>
+          <p:nvPr>
+            <p:ph type="dt" idx="1"/>
+          </p:nvPr>
+        </p:nvSpPr>
+        <p:spPr>
+          <a:xfrm>
+            <a:off x="3884613" y="0"/>
+            <a:ext cx="2971800" cy="458788"/>
+          </a:xfrm>
+          <a:prstGeom prst="rect">
+            <a:avLst/>
+          </a:prstGeom>
+        </p:spPr>
+        <p:txBody>
+          <a:bodyPr vert="horz" lIns="91440" tIns="45720" rIns="91440" bIns="45720" rtlCol="0"/>
+          <a:lstStyle>
+            <a:lvl1pPr algn="r">
+              <a:defRPr sz="1200"/>
+            </a:lvl1pPr>
+          </a:lstStyle>
+          <a:p>
+            <a:fld id="{1523692C-4BAC-40B3-8B61-CF42423F6BB1}" type="datetimeFigureOut">
+              <a:rPr lang="en-US" smtClean="0"/>
+              <a:t>8/15/2017</a:t>
+            </a:fld>
+            <a:endParaRPr lang="en-US" dirty="0"/>
+          </a:p>
+        </p:txBody>
+      </p:sp>
+      <p:sp>
+        <p:nvSpPr>
+          <p:cNvPr id="4" name="Slide Image Placeholder 3"/>
+          <p:cNvSpPr>
+            <a:spLocks noGrp="1" noRot="1" noChangeAspect="1"/>
+          </p:cNvSpPr>
+          <p:nvPr>
+            <p:ph type="sldImg" idx="2"/>
+          </p:nvPr>
+        </p:nvSpPr>
+        <p:spPr>
+          <a:xfrm>
+            <a:off x="685800" y="1143000"/>
+            <a:ext cx="5486400" cy="3086100"/>
+          </a:xfrm>
+          <a:prstGeom prst="rect">
+            <a:avLst/>
+          </a:prstGeom>
+          <a:noFill/>
+          <a:ln w="12700">
+            <a:solidFill>
+              <a:prstClr val="black"/>
+            </a:solidFill>
+          </a:ln>
+        </p:spPr>
+        <p:txBody>
+          <a:bodyPr vert="horz" lIns="91440" tIns="45720" rIns="91440" bIns="45720" rtlCol="0" anchor="ctr"/>
+          <a:lstStyle/>
+          <a:p>
+            <a:endParaRPr lang="en-US" dirty="0"/>
+          </a:p>
+        </p:txBody>
+      </p:sp>
+      <p:sp>
+        <p:nvSpPr>
+          <p:cNvPr id="5" name="Notes Placeholder 4"/>
+          <p:cNvSpPr>
+            <a:spLocks noGrp="1"/>
+          </p:cNvSpPr>
+          <p:nvPr>
+            <p:ph type="body" sz="quarter" idx="3"/>
+          </p:nvPr>
+        </p:nvSpPr>
+        <p:spPr>
+          <a:xfrm>
+            <a:off x="685800" y="4400550"/>
+            <a:ext cx="5486400" cy="3600450"/>
+          </a:xfrm>
+          <a:prstGeom prst="rect">
+            <a:avLst/>
+          </a:prstGeom>
+        </p:spPr>
+        <p:txBody>
+          <a:bodyPr vert="horz" lIns="91440" tIns="45720" rIns="91440" bIns="45720" rtlCol="0"/>
+          <a:lstStyle/>
+          <a:p>
+            <a:pPr lvl="0"/>
+            <a:r>
+              <a:rPr lang="en-US"/>
+              <a:t>Edit Master text styles</a:t>
+            </a:r>
+          </a:p>
+          <a:p>
+            <a:pPr lvl="1"/>
+            <a:r>
+              <a:rPr lang="en-US"/>
+              <a:t>Second level</a:t>
+            </a:r>
+          </a:p>
+          <a:p>
+            <a:pPr lvl="2"/>
+            <a:r>
+              <a:rPr lang="en-US"/>
+              <a:t>Third level</a:t>
+            </a:r>
+          </a:p>
+          <a:p>
+            <a:pPr lvl="3"/>
+            <a:r>
+              <a:rPr lang="en-US"/>
+              <a:t>Fourth level</a:t>
+            </a:r>
+          </a:p>
+          <a:p>
+            <a:pPr lvl="4"/>
+            <a:r>
+              <a:rPr lang="en-US"/>
+              <a:t>Fifth level</a:t>
+            </a:r>
+          </a:p>
+        </p:txBody>
+      </p:sp>
+      <p:sp>
+        <p:nvSpPr>
+          <p:cNvPr id="6" name="Footer Placeholder 5"/>
+          <p:cNvSpPr>
+            <a:spLocks noGrp="1"/>
+          </p:cNvSpPr>
+          <p:nvPr>
+            <p:ph type="ftr" sz="quarter" idx="4"/>
+          </p:nvPr>
+        </p:nvSpPr>
+        <p:spPr>
+          <a:xfrm>
+            <a:off x="0" y="8685213"/>
+            <a:ext cx="2971800" cy="458787"/>
+          </a:xfrm>
+          <a:prstGeom prst="rect">
+            <a:avLst/>
+          </a:prstGeom>
+        </p:spPr>
+        <p:txBody>
+          <a:bodyPr vert="horz" lIns="91440" tIns="45720" rIns="91440" bIns="45720" rtlCol="0" anchor="b"/>
+          <a:lstStyle>
+            <a:lvl1pPr algn="l">
+              <a:defRPr sz="1200"/>
+            </a:lvl1pPr>
+          </a:lstStyle>
+          <a:p>
+            <a:endParaRPr lang="en-US" dirty="0"/>
+          </a:p>
+        </p:txBody>
+      </p:sp>
+      <p:sp>
+        <p:nvSpPr>
+          <p:cNvPr id="7" name="Slide Number Placeholder 6"/>
+          <p:cNvSpPr>
+            <a:spLocks noGrp="1"/>
+          </p:cNvSpPr>
+          <p:nvPr>
+            <p:ph type="sldNum" sz="quarter" idx="5"/>
+          </p:nvPr>
+        </p:nvSpPr>
+        <p:spPr>
+          <a:xfrm>
+            <a:off x="3884613" y="8685213"/>
+            <a:ext cx="2971800" cy="458787"/>
+          </a:xfrm>
+          <a:prstGeom prst="rect">
+            <a:avLst/>
+          </a:prstGeom>
+        </p:spPr>
+        <p:txBody>
+          <a:bodyPr vert="horz" lIns="91440" tIns="45720" rIns="91440" bIns="45720" rtlCol="0" anchor="b"/>
+          <a:lstStyle>
+            <a:lvl1pPr algn="r">
+              <a:defRPr sz="1200"/>
+            </a:lvl1pPr>
+          </a:lstStyle>
+          <a:p>
+            <a:fld id="{F1CB7497-2E1A-4EF0-97D8-B2238CF6B142}" type="slidenum">
+              <a:rPr lang="en-US" smtClean="0"/>
+              <a:t>‹#›</a:t>
+            </a:fld>
+            <a:endParaRPr lang="en-US" dirty="0"/>
+          </a:p>
+        </p:txBody>
+      </p:sp>
+    </p:spTree>
+    <p:extLst>
+      <p:ext uri="{BB962C8B-B14F-4D97-AF65-F5344CB8AC3E}">
+        <p14:creationId xmlns:p14="http://schemas.microsoft.com/office/powerpoint/2010/main" val="255344100"/>
+      </p:ext>
+    </p:extLst>
+  </p:cSld>
+  <p:clrMap bg1="lt1" tx1="dk1" bg2="lt2" tx2="dk2" accent1="accent1" accent2="accent2" accent3="accent3" accent4="accent4" accent5="accent5" accent6="accent6" hlink="hlink" folHlink="folHlink"/>
+  <p:notesStyle>
+    <a:lvl1pPr marL="0" algn="l" defTabSz="914400" rtl="0" eaLnBrk="1" latinLnBrk="0" hangingPunct="1">
+      <a:defRPr sz="1200" kern="1200">
+        <a:solidFill>
+          <a:schemeClr val="tx1"/>
+        </a:solidFill>
+        <a:latin typeface="+mn-lt"/>
+        <a:ea typeface="+mn-ea"/>
+        <a:cs typeface="+mn-cs"/>
+      </a:defRPr>
+    </a:lvl1pPr>
+    <a:lvl2pPr marL="457200" algn="l" defTabSz="914400" rtl="0" eaLnBrk="1" latinLnBrk="0" hangingPunct="1">
+      <a:defRPr sz="1200" kern="1200">
+        <a:solidFill>
+          <a:schemeClr val="tx1"/>
+        </a:solidFill>
+        <a:latin typeface="+mn-lt"/>
+        <a:ea typeface="+mn-ea"/>
+        <a:cs typeface="+mn-cs"/>
+      </a:defRPr>
+    </a:lvl2pPr>
+    <a:lvl3pPr marL="914400" algn="l" defTabSz="914400" rtl="0" eaLnBrk="1" latinLnBrk="0" hangingPunct="1">
+      <a:defRPr sz="1200" kern="1200">
+        <a:solidFill>
+          <a:schemeClr val="tx1"/>
+        </a:solidFill>
+        <a:latin typeface="+mn-lt"/>
+        <a:ea typeface="+mn-ea"/>
+        <a:cs typeface="+mn-cs"/>
+      </a:defRPr>
+    </a:lvl3pPr>
+    <a:lvl4pPr marL="1371600" algn="l" defTabSz="914400" rtl="0" eaLnBrk="1" latinLnBrk="0" hangingPunct="1">
+      <a:defRPr sz="1200" kern="1200">
+        <a:solidFill>
+          <a:schemeClr val="tx1"/>
+        </a:solidFill>
+        <a:latin typeface="+mn-lt"/>
+        <a:ea typeface="+mn-ea"/>
+        <a:cs typeface="+mn-cs"/>
+      </a:defRPr>
+    </a:lvl4pPr>
+    <a:lvl5pPr marL="1828800" algn="l" defTabSz="914400" rtl="0" eaLnBrk="1" latinLnBrk="0" hangingPunct="1">
+      <a:defRPr sz="1200" kern="1200">
+        <a:solidFill>
+          <a:schemeClr val="tx1"/>
+        </a:solidFill>
+        <a:latin typeface="+mn-lt"/>
+        <a:ea typeface="+mn-ea"/>
+        <a:cs typeface="+mn-cs"/>
+      </a:defRPr>
+    </a:lvl5pPr>
+    <a:lvl6pPr marL="2286000" algn="l" defTabSz="914400" rtl="0" eaLnBrk="1" latinLnBrk="0" hangingPunct="1">
+      <a:defRPr sz="1200" kern="1200">
+        <a:solidFill>
+          <a:schemeClr val="tx1"/>
+        </a:solidFill>
+        <a:latin typeface="+mn-lt"/>
+        <a:ea typeface="+mn-ea"/>
+        <a:cs typeface="+mn-cs"/>
+      </a:defRPr>
+    </a:lvl6pPr>
+    <a:lvl7pPr marL="2743200" algn="l" defTabSz="914400" rtl="0" eaLnBrk="1" latinLnBrk="0" hangingPunct="1">
+      <a:defRPr sz="1200" kern="1200">
+        <a:solidFill>
+          <a:schemeClr val="tx1"/>
+        </a:solidFill>
+        <a:latin typeface="+mn-lt"/>
+        <a:ea typeface="+mn-ea"/>
+        <a:cs typeface="+mn-cs"/>
+      </a:defRPr>
+    </a:lvl7pPr>
+    <a:lvl8pPr marL="3200400" algn="l" defTabSz="914400" rtl="0" eaLnBrk="1" latinLnBrk="0" hangingPunct="1">
+      <a:defRPr sz="1200" kern="1200">
+        <a:solidFill>
+          <a:schemeClr val="tx1"/>
+        </a:solidFill>
+        <a:latin typeface="+mn-lt"/>
+        <a:ea typeface="+mn-ea"/>
+        <a:cs typeface="+mn-cs"/>
+      </a:defRPr>
+    </a:lvl8pPr>
+    <a:lvl9pPr marL="3657600" algn="l" defTabSz="914400" rtl="0" eaLnBrk="1" latinLnBrk="0" hangingPunct="1">
+      <a:defRPr sz="1200" kern="1200">
+        <a:solidFill>
+          <a:schemeClr val="tx1"/>
+        </a:solidFill>
+        <a:latin typeface="+mn-lt"/>
+        <a:ea typeface="+mn-ea"/>
+        <a:cs typeface="+mn-cs"/>
+      </a:defRPr>
+    </a:lvl9pPr>
+  </p:notesStyle>
+</p:notesMaster>
+</file>
+
 <file path=ppt/slideLayouts/slideLayout1.xml><?xml version="1.0" encoding="utf-8"?>
 <p:sldLayout xmlns:a="http://schemas.openxmlformats.org/drawingml/2006/main" xmlns:r="http://schemas.openxmlformats.org/officeDocument/2006/relationships" xmlns:p="http://schemas.openxmlformats.org/presentationml/2006/main" type="title" preserve="1">
   <p:cSld name="Title Slide">
@@ -257,11 +608,11 @@
           <a:bodyPr/>
           <a:lstStyle/>
           <a:p>
-            <a:fld id="{DD7B364C-F48E-423B-B934-E8CFEC07FDCE}" type="datetimeFigureOut">
+            <a:fld id="{C0886C17-05E4-45B7-966F-741519B1AE88}" type="datetime1">
               <a:rPr lang="en-US" smtClean="0"/>
-              <a:t>1/1/1980</a:t>
+              <a:t>8/15/2017</a:t>
             </a:fld>
-            <a:endParaRPr lang="en-US"/>
+            <a:endParaRPr lang="en-US" dirty="0"/>
           </a:p>
         </p:txBody>
       </p:sp>
@@ -280,7 +631,7 @@
           <a:bodyPr/>
           <a:lstStyle/>
           <a:p>
-            <a:endParaRPr lang="en-US"/>
+            <a:endParaRPr lang="en-US" dirty="0"/>
           </a:p>
         </p:txBody>
       </p:sp>
@@ -303,7 +654,7 @@
               <a:rPr lang="en-US" smtClean="0"/>
               <a:t>‹#›</a:t>
             </a:fld>
-            <a:endParaRPr lang="en-US"/>
+            <a:endParaRPr lang="en-US" dirty="0"/>
           </a:p>
         </p:txBody>
       </p:sp>
@@ -425,11 +776,11 @@
           <a:bodyPr/>
           <a:lstStyle/>
           <a:p>
-            <a:fld id="{DD7B364C-F48E-423B-B934-E8CFEC07FDCE}" type="datetimeFigureOut">
+            <a:fld id="{DC8D30A9-1074-4475-8EFE-AEE26B69F81F}" type="datetime1">
               <a:rPr lang="en-US" smtClean="0"/>
-              <a:t>1/1/1980</a:t>
+              <a:t>8/15/2017</a:t>
             </a:fld>
-            <a:endParaRPr lang="en-US"/>
+            <a:endParaRPr lang="en-US" dirty="0"/>
           </a:p>
         </p:txBody>
       </p:sp>
@@ -448,7 +799,7 @@
           <a:bodyPr/>
           <a:lstStyle/>
           <a:p>
-            <a:endParaRPr lang="en-US"/>
+            <a:endParaRPr lang="en-US" dirty="0"/>
           </a:p>
         </p:txBody>
       </p:sp>
@@ -471,7 +822,7 @@
               <a:rPr lang="en-US" smtClean="0"/>
               <a:t>‹#›</a:t>
             </a:fld>
-            <a:endParaRPr lang="en-US"/>
+            <a:endParaRPr lang="en-US" dirty="0"/>
           </a:p>
         </p:txBody>
       </p:sp>
@@ -603,11 +954,11 @@
           <a:bodyPr/>
           <a:lstStyle/>
           <a:p>
-            <a:fld id="{DD7B364C-F48E-423B-B934-E8CFEC07FDCE}" type="datetimeFigureOut">
+            <a:fld id="{0CBE53E2-35B4-404B-A341-1A1277E4D8D9}" type="datetime1">
               <a:rPr lang="en-US" smtClean="0"/>
-              <a:t>1/1/1980</a:t>
+              <a:t>8/15/2017</a:t>
             </a:fld>
-            <a:endParaRPr lang="en-US"/>
+            <a:endParaRPr lang="en-US" dirty="0"/>
           </a:p>
         </p:txBody>
       </p:sp>
@@ -626,7 +977,7 @@
           <a:bodyPr/>
           <a:lstStyle/>
           <a:p>
-            <a:endParaRPr lang="en-US"/>
+            <a:endParaRPr lang="en-US" dirty="0"/>
           </a:p>
         </p:txBody>
       </p:sp>
@@ -649,7 +1000,7 @@
               <a:rPr lang="en-US" smtClean="0"/>
               <a:t>‹#›</a:t>
             </a:fld>
-            <a:endParaRPr lang="en-US"/>
+            <a:endParaRPr lang="en-US" dirty="0"/>
           </a:p>
         </p:txBody>
       </p:sp>
@@ -771,11 +1122,11 @@
           <a:bodyPr/>
           <a:lstStyle/>
           <a:p>
-            <a:fld id="{DD7B364C-F48E-423B-B934-E8CFEC07FDCE}" type="datetimeFigureOut">
+            <a:fld id="{79D4EA52-3B33-49AC-8D5F-30EDD16500B4}" type="datetime1">
               <a:rPr lang="en-US" smtClean="0"/>
-              <a:t>1/1/1980</a:t>
+              <a:t>8/15/2017</a:t>
             </a:fld>
-            <a:endParaRPr lang="en-US"/>
+            <a:endParaRPr lang="en-US" dirty="0"/>
           </a:p>
         </p:txBody>
       </p:sp>
@@ -794,7 +1145,7 @@
           <a:bodyPr/>
           <a:lstStyle/>
           <a:p>
-            <a:endParaRPr lang="en-US"/>
+            <a:endParaRPr lang="en-US" dirty="0"/>
           </a:p>
         </p:txBody>
       </p:sp>
@@ -817,7 +1168,7 @@
               <a:rPr lang="en-US" smtClean="0"/>
               <a:t>‹#›</a:t>
             </a:fld>
-            <a:endParaRPr lang="en-US"/>
+            <a:endParaRPr lang="en-US" dirty="0"/>
           </a:p>
         </p:txBody>
       </p:sp>
@@ -1016,11 +1367,11 @@
           <a:bodyPr/>
           <a:lstStyle/>
           <a:p>
-            <a:fld id="{DD7B364C-F48E-423B-B934-E8CFEC07FDCE}" type="datetimeFigureOut">
+            <a:fld id="{BBC41EA1-A88E-43E5-8E22-A6F073F700FC}" type="datetime1">
               <a:rPr lang="en-US" smtClean="0"/>
-              <a:t>1/1/1980</a:t>
+              <a:t>8/15/2017</a:t>
             </a:fld>
-            <a:endParaRPr lang="en-US"/>
+            <a:endParaRPr lang="en-US" dirty="0"/>
           </a:p>
         </p:txBody>
       </p:sp>
@@ -1039,7 +1390,7 @@
           <a:bodyPr/>
           <a:lstStyle/>
           <a:p>
-            <a:endParaRPr lang="en-US"/>
+            <a:endParaRPr lang="en-US" dirty="0"/>
           </a:p>
         </p:txBody>
       </p:sp>
@@ -1062,7 +1413,7 @@
               <a:rPr lang="en-US" smtClean="0"/>
               <a:t>‹#›</a:t>
             </a:fld>
-            <a:endParaRPr lang="en-US"/>
+            <a:endParaRPr lang="en-US" dirty="0"/>
           </a:p>
         </p:txBody>
       </p:sp>
@@ -1245,11 +1596,11 @@
           <a:bodyPr/>
           <a:lstStyle/>
           <a:p>
-            <a:fld id="{DD7B364C-F48E-423B-B934-E8CFEC07FDCE}" type="datetimeFigureOut">
+            <a:fld id="{5C83F9B2-85A6-4E1A-BB6D-3F354DA9212A}" type="datetime1">
               <a:rPr lang="en-US" smtClean="0"/>
-              <a:t>1/1/1980</a:t>
+              <a:t>8/15/2017</a:t>
             </a:fld>
-            <a:endParaRPr lang="en-US"/>
+            <a:endParaRPr lang="en-US" dirty="0"/>
           </a:p>
         </p:txBody>
       </p:sp>
@@ -1268,7 +1619,7 @@
           <a:bodyPr/>
           <a:lstStyle/>
           <a:p>
-            <a:endParaRPr lang="en-US"/>
+            <a:endParaRPr lang="en-US" dirty="0"/>
           </a:p>
         </p:txBody>
       </p:sp>
@@ -1291,7 +1642,7 @@
               <a:rPr lang="en-US" smtClean="0"/>
               <a:t>‹#›</a:t>
             </a:fld>
-            <a:endParaRPr lang="en-US"/>
+            <a:endParaRPr lang="en-US" dirty="0"/>
           </a:p>
         </p:txBody>
       </p:sp>
@@ -1609,11 +1960,11 @@
           <a:bodyPr/>
           <a:lstStyle/>
           <a:p>
-            <a:fld id="{DD7B364C-F48E-423B-B934-E8CFEC07FDCE}" type="datetimeFigureOut">
+            <a:fld id="{209635CC-A036-4354-93F9-4911AFF8965A}" type="datetime1">
               <a:rPr lang="en-US" smtClean="0"/>
-              <a:t>1/1/1980</a:t>
+              <a:t>8/15/2017</a:t>
             </a:fld>
-            <a:endParaRPr lang="en-US"/>
+            <a:endParaRPr lang="en-US" dirty="0"/>
           </a:p>
         </p:txBody>
       </p:sp>
@@ -1632,7 +1983,7 @@
           <a:bodyPr/>
           <a:lstStyle/>
           <a:p>
-            <a:endParaRPr lang="en-US"/>
+            <a:endParaRPr lang="en-US" dirty="0"/>
           </a:p>
         </p:txBody>
       </p:sp>
@@ -1655,7 +2006,7 @@
               <a:rPr lang="en-US" smtClean="0"/>
               <a:t>‹#›</a:t>
             </a:fld>
-            <a:endParaRPr lang="en-US"/>
+            <a:endParaRPr lang="en-US" dirty="0"/>
           </a:p>
         </p:txBody>
       </p:sp>
@@ -1726,11 +2077,11 @@
           <a:bodyPr/>
           <a:lstStyle/>
           <a:p>
-            <a:fld id="{DD7B364C-F48E-423B-B934-E8CFEC07FDCE}" type="datetimeFigureOut">
+            <a:fld id="{7A07021D-9819-445F-958F-5C6DA1F067C1}" type="datetime1">
               <a:rPr lang="en-US" smtClean="0"/>
-              <a:t>1/1/1980</a:t>
+              <a:t>8/15/2017</a:t>
             </a:fld>
-            <a:endParaRPr lang="en-US"/>
+            <a:endParaRPr lang="en-US" dirty="0"/>
           </a:p>
         </p:txBody>
       </p:sp>
@@ -1749,7 +2100,7 @@
           <a:bodyPr/>
           <a:lstStyle/>
           <a:p>
-            <a:endParaRPr lang="en-US"/>
+            <a:endParaRPr lang="en-US" dirty="0"/>
           </a:p>
         </p:txBody>
       </p:sp>
@@ -1772,7 +2123,7 @@
               <a:rPr lang="en-US" smtClean="0"/>
               <a:t>‹#›</a:t>
             </a:fld>
-            <a:endParaRPr lang="en-US"/>
+            <a:endParaRPr lang="en-US" dirty="0"/>
           </a:p>
         </p:txBody>
       </p:sp>
@@ -1821,11 +2172,11 @@
           <a:bodyPr/>
           <a:lstStyle/>
           <a:p>
-            <a:fld id="{DD7B364C-F48E-423B-B934-E8CFEC07FDCE}" type="datetimeFigureOut">
+            <a:fld id="{D7333BA8-6632-4138-ACB8-01B65F24C51E}" type="datetime1">
               <a:rPr lang="en-US" smtClean="0"/>
-              <a:t>1/1/1980</a:t>
+              <a:t>8/15/2017</a:t>
             </a:fld>
-            <a:endParaRPr lang="en-US"/>
+            <a:endParaRPr lang="en-US" dirty="0"/>
           </a:p>
         </p:txBody>
       </p:sp>
@@ -1844,7 +2195,7 @@
           <a:bodyPr/>
           <a:lstStyle/>
           <a:p>
-            <a:endParaRPr lang="en-US"/>
+            <a:endParaRPr lang="en-US" dirty="0"/>
           </a:p>
         </p:txBody>
       </p:sp>
@@ -1867,7 +2218,7 @@
               <a:rPr lang="en-US" smtClean="0"/>
               <a:t>‹#›</a:t>
             </a:fld>
-            <a:endParaRPr lang="en-US"/>
+            <a:endParaRPr lang="en-US" dirty="0"/>
           </a:p>
         </p:txBody>
       </p:sp>
@@ -2096,11 +2447,11 @@
           <a:bodyPr/>
           <a:lstStyle/>
           <a:p>
-            <a:fld id="{DD7B364C-F48E-423B-B934-E8CFEC07FDCE}" type="datetimeFigureOut">
+            <a:fld id="{C372914E-FDA6-4C78-AF01-2AB0B6C4B7CD}" type="datetime1">
               <a:rPr lang="en-US" smtClean="0"/>
-              <a:t>1/1/1980</a:t>
+              <a:t>8/15/2017</a:t>
             </a:fld>
-            <a:endParaRPr lang="en-US"/>
+            <a:endParaRPr lang="en-US" dirty="0"/>
           </a:p>
         </p:txBody>
       </p:sp>
@@ -2119,7 +2470,7 @@
           <a:bodyPr/>
           <a:lstStyle/>
           <a:p>
-            <a:endParaRPr lang="en-US"/>
+            <a:endParaRPr lang="en-US" dirty="0"/>
           </a:p>
         </p:txBody>
       </p:sp>
@@ -2142,7 +2493,7 @@
               <a:rPr lang="en-US" smtClean="0"/>
               <a:t>‹#›</a:t>
             </a:fld>
-            <a:endParaRPr lang="en-US"/>
+            <a:endParaRPr lang="en-US" dirty="0"/>
           </a:p>
         </p:txBody>
       </p:sp>
@@ -2264,7 +2615,7 @@
             </a:lvl9pPr>
           </a:lstStyle>
           <a:p>
-            <a:endParaRPr lang="en-US"/>
+            <a:endParaRPr lang="en-US" dirty="0"/>
           </a:p>
         </p:txBody>
       </p:sp>
@@ -2348,11 +2699,11 @@
           <a:bodyPr/>
           <a:lstStyle/>
           <a:p>
-            <a:fld id="{DD7B364C-F48E-423B-B934-E8CFEC07FDCE}" type="datetimeFigureOut">
+            <a:fld id="{00817111-AFE1-4CF1-B2AA-01A5A749862C}" type="datetime1">
               <a:rPr lang="en-US" smtClean="0"/>
-              <a:t>1/1/1980</a:t>
+              <a:t>8/15/2017</a:t>
             </a:fld>
-            <a:endParaRPr lang="en-US"/>
+            <a:endParaRPr lang="en-US" dirty="0"/>
           </a:p>
         </p:txBody>
       </p:sp>
@@ -2371,7 +2722,7 @@
           <a:bodyPr/>
           <a:lstStyle/>
           <a:p>
-            <a:endParaRPr lang="en-US"/>
+            <a:endParaRPr lang="en-US" dirty="0"/>
           </a:p>
         </p:txBody>
       </p:sp>
@@ -2394,7 +2745,7 @@
               <a:rPr lang="en-US" smtClean="0"/>
               <a:t>‹#›</a:t>
             </a:fld>
-            <a:endParaRPr lang="en-US"/>
+            <a:endParaRPr lang="en-US" dirty="0"/>
           </a:p>
         </p:txBody>
       </p:sp>
@@ -2559,11 +2910,11 @@
             </a:lvl1pPr>
           </a:lstStyle>
           <a:p>
-            <a:fld id="{DD7B364C-F48E-423B-B934-E8CFEC07FDCE}" type="datetimeFigureOut">
+            <a:fld id="{8F681296-3388-4C99-AD6A-A576B05E0467}" type="datetime1">
               <a:rPr lang="en-US" smtClean="0"/>
-              <a:t>1/1/1980</a:t>
+              <a:t>8/15/2017</a:t>
             </a:fld>
-            <a:endParaRPr lang="en-US"/>
+            <a:endParaRPr lang="en-US" dirty="0"/>
           </a:p>
         </p:txBody>
       </p:sp>
@@ -2600,7 +2951,7 @@
             </a:lvl1pPr>
           </a:lstStyle>
           <a:p>
-            <a:endParaRPr lang="en-US"/>
+            <a:endParaRPr lang="en-US" dirty="0"/>
           </a:p>
         </p:txBody>
       </p:sp>
@@ -2641,7 +2992,7 @@
               <a:rPr lang="en-US" smtClean="0"/>
               <a:t>‹#›</a:t>
             </a:fld>
-            <a:endParaRPr lang="en-US"/>
+            <a:endParaRPr lang="en-US" dirty="0"/>
           </a:p>
         </p:txBody>
       </p:sp>
@@ -2666,6 +3017,7 @@
     <p:sldLayoutId id="2147483658" r:id="rId10"/>
     <p:sldLayoutId id="2147483659" r:id="rId11"/>
   </p:sldLayoutIdLst>
+  <p:hf hdr="0" ftr="0" dt="0"/>
   <p:txStyles>
     <p:titleStyle>
       <a:lvl1pPr algn="l" defTabSz="914400" rtl="0" eaLnBrk="1" latinLnBrk="0" hangingPunct="1">
@@ -3070,6 +3422,35 @@
           </a:p>
         </p:txBody>
       </p:sp>
+      <p:sp>
+        <p:nvSpPr>
+          <p:cNvPr id="4" name="Slide Number Placeholder 3">
+            <a:extLst>
+              <a:ext uri="{FF2B5EF4-FFF2-40B4-BE49-F238E27FC236}">
+                <a16:creationId xmlns:a16="http://schemas.microsoft.com/office/drawing/2014/main" id="{DBCC97EB-9F3C-4DEE-8C39-EF7C0B542EF1}"/>
+              </a:ext>
+            </a:extLst>
+          </p:cNvPr>
+          <p:cNvSpPr>
+            <a:spLocks noGrp="1"/>
+          </p:cNvSpPr>
+          <p:nvPr>
+            <p:ph type="sldNum" sz="quarter" idx="12"/>
+          </p:nvPr>
+        </p:nvSpPr>
+        <p:spPr/>
+        <p:txBody>
+          <a:bodyPr/>
+          <a:lstStyle/>
+          <a:p>
+            <a:fld id="{1B1F78DE-1176-43E1-8C31-23061FF69942}" type="slidenum">
+              <a:rPr lang="en-US" smtClean="0"/>
+              <a:t>1</a:t>
+            </a:fld>
+            <a:endParaRPr lang="en-US" dirty="0"/>
+          </a:p>
+        </p:txBody>
+      </p:sp>
     </p:spTree>
     <p:extLst>
       <p:ext uri="{BB962C8B-B14F-4D97-AF65-F5344CB8AC3E}">
@@ -3120,7 +3501,7 @@
                 <a:latin typeface="Times New Roman" panose="02020603050405020304" pitchFamily="18" charset="0"/>
                 <a:cs typeface="Times New Roman" panose="02020603050405020304" pitchFamily="18" charset="0"/>
               </a:rPr>
-              <a:t>Contents</a:t>
+              <a:t>About Agilent</a:t>
             </a:r>
           </a:p>
         </p:txBody>
@@ -3140,17 +3521,43 @@
           <a:bodyPr/>
           <a:lstStyle/>
           <a:p>
-            <a:endParaRPr lang="en-US" dirty="0">
-              <a:latin typeface="Times New Roman" panose="02020603050405020304" pitchFamily="18" charset="0"/>
-              <a:cs typeface="Times New Roman" panose="02020603050405020304" pitchFamily="18" charset="0"/>
-            </a:endParaRPr>
+            <a:endParaRPr lang="en-US" dirty="0"/>
+          </a:p>
+        </p:txBody>
+      </p:sp>
+      <p:sp>
+        <p:nvSpPr>
+          <p:cNvPr id="4" name="Slide Number Placeholder 3">
+            <a:extLst>
+              <a:ext uri="{FF2B5EF4-FFF2-40B4-BE49-F238E27FC236}">
+                <a16:creationId xmlns:a16="http://schemas.microsoft.com/office/drawing/2014/main" id="{721A1E0E-722C-4750-9A08-829950F358C2}"/>
+              </a:ext>
+            </a:extLst>
+          </p:cNvPr>
+          <p:cNvSpPr>
+            <a:spLocks noGrp="1"/>
+          </p:cNvSpPr>
+          <p:nvPr>
+            <p:ph type="sldNum" sz="quarter" idx="12"/>
+          </p:nvPr>
+        </p:nvSpPr>
+        <p:spPr/>
+        <p:txBody>
+          <a:bodyPr/>
+          <a:lstStyle/>
+          <a:p>
+            <a:fld id="{1B1F78DE-1176-43E1-8C31-23061FF69942}" type="slidenum">
+              <a:rPr lang="en-US" smtClean="0"/>
+              <a:t>2</a:t>
+            </a:fld>
+            <a:endParaRPr lang="en-US" dirty="0"/>
           </a:p>
         </p:txBody>
       </p:sp>
     </p:spTree>
     <p:extLst>
       <p:ext uri="{BB962C8B-B14F-4D97-AF65-F5344CB8AC3E}">
-        <p14:creationId xmlns:p14="http://schemas.microsoft.com/office/powerpoint/2010/main" val="280975078"/>
+        <p14:creationId xmlns:p14="http://schemas.microsoft.com/office/powerpoint/2010/main" val="1946083975"/>
       </p:ext>
     </p:extLst>
   </p:cSld>
@@ -3197,7 +3604,7 @@
                 <a:latin typeface="Times New Roman" panose="02020603050405020304" pitchFamily="18" charset="0"/>
                 <a:cs typeface="Times New Roman" panose="02020603050405020304" pitchFamily="18" charset="0"/>
               </a:rPr>
-              <a:t>About Agilent</a:t>
+              <a:t>Internship Details</a:t>
             </a:r>
           </a:p>
         </p:txBody>
@@ -3217,6 +3624,79 @@
           <a:bodyPr/>
           <a:lstStyle/>
           <a:p>
+            <a:r>
+              <a:rPr lang="en-US" dirty="0">
+                <a:latin typeface="Times New Roman" panose="02020603050405020304" pitchFamily="18" charset="0"/>
+                <a:cs typeface="Times New Roman" panose="02020603050405020304" pitchFamily="18" charset="0"/>
+              </a:rPr>
+              <a:t>BlueJay project (specifically the touchscreen software)</a:t>
+            </a:r>
+          </a:p>
+          <a:p>
+            <a:r>
+              <a:rPr lang="en-US" dirty="0">
+                <a:latin typeface="Times New Roman" panose="02020603050405020304" pitchFamily="18" charset="0"/>
+                <a:cs typeface="Times New Roman" panose="02020603050405020304" pitchFamily="18" charset="0"/>
+              </a:rPr>
+              <a:t>Test engineering</a:t>
+            </a:r>
+          </a:p>
+          <a:p>
+            <a:pPr lvl="1"/>
+            <a:r>
+              <a:rPr lang="en-US" dirty="0">
+                <a:latin typeface="Times New Roman" panose="02020603050405020304" pitchFamily="18" charset="0"/>
+                <a:cs typeface="Times New Roman" panose="02020603050405020304" pitchFamily="18" charset="0"/>
+              </a:rPr>
+              <a:t>Writing scripts</a:t>
+            </a:r>
+          </a:p>
+          <a:p>
+            <a:pPr lvl="1"/>
+            <a:endParaRPr lang="en-US" dirty="0">
+              <a:latin typeface="Times New Roman" panose="02020603050405020304" pitchFamily="18" charset="0"/>
+              <a:cs typeface="Times New Roman" panose="02020603050405020304" pitchFamily="18" charset="0"/>
+            </a:endParaRPr>
+          </a:p>
+          <a:p>
+            <a:endParaRPr lang="en-US" dirty="0">
+              <a:latin typeface="Times New Roman" panose="02020603050405020304" pitchFamily="18" charset="0"/>
+              <a:cs typeface="Times New Roman" panose="02020603050405020304" pitchFamily="18" charset="0"/>
+            </a:endParaRPr>
+          </a:p>
+          <a:p>
+            <a:endParaRPr lang="en-US" dirty="0">
+              <a:latin typeface="Times New Roman" panose="02020603050405020304" pitchFamily="18" charset="0"/>
+              <a:cs typeface="Times New Roman" panose="02020603050405020304" pitchFamily="18" charset="0"/>
+            </a:endParaRPr>
+          </a:p>
+        </p:txBody>
+      </p:sp>
+      <p:sp>
+        <p:nvSpPr>
+          <p:cNvPr id="4" name="Slide Number Placeholder 3">
+            <a:extLst>
+              <a:ext uri="{FF2B5EF4-FFF2-40B4-BE49-F238E27FC236}">
+                <a16:creationId xmlns:a16="http://schemas.microsoft.com/office/drawing/2014/main" id="{5C40EE13-563C-4639-A0BD-C08C7B72F821}"/>
+              </a:ext>
+            </a:extLst>
+          </p:cNvPr>
+          <p:cNvSpPr>
+            <a:spLocks noGrp="1"/>
+          </p:cNvSpPr>
+          <p:nvPr>
+            <p:ph type="sldNum" sz="quarter" idx="12"/>
+          </p:nvPr>
+        </p:nvSpPr>
+        <p:spPr/>
+        <p:txBody>
+          <a:bodyPr/>
+          <a:lstStyle/>
+          <a:p>
+            <a:fld id="{1B1F78DE-1176-43E1-8C31-23061FF69942}" type="slidenum">
+              <a:rPr lang="en-US" smtClean="0"/>
+              <a:t>3</a:t>
+            </a:fld>
             <a:endParaRPr lang="en-US" dirty="0"/>
           </a:p>
         </p:txBody>
@@ -3224,7 +3704,7 @@
     </p:spTree>
     <p:extLst>
       <p:ext uri="{BB962C8B-B14F-4D97-AF65-F5344CB8AC3E}">
-        <p14:creationId xmlns:p14="http://schemas.microsoft.com/office/powerpoint/2010/main" val="1946083975"/>
+        <p14:creationId xmlns:p14="http://schemas.microsoft.com/office/powerpoint/2010/main" val="664641524"/>
       </p:ext>
     </p:extLst>
   </p:cSld>
@@ -3271,7 +3751,7 @@
                 <a:latin typeface="Times New Roman" panose="02020603050405020304" pitchFamily="18" charset="0"/>
                 <a:cs typeface="Times New Roman" panose="02020603050405020304" pitchFamily="18" charset="0"/>
               </a:rPr>
-              <a:t>Internship Details</a:t>
+              <a:t>Test Engineering</a:t>
             </a:r>
           </a:p>
         </p:txBody>
@@ -3296,7 +3776,7 @@
                 <a:latin typeface="Times New Roman" panose="02020603050405020304" pitchFamily="18" charset="0"/>
                 <a:cs typeface="Times New Roman" panose="02020603050405020304" pitchFamily="18" charset="0"/>
               </a:rPr>
-              <a:t>BlueJay project</a:t>
+              <a:t>C#</a:t>
             </a:r>
           </a:p>
           <a:p>
@@ -3305,7 +3785,34 @@
                 <a:latin typeface="Times New Roman" panose="02020603050405020304" pitchFamily="18" charset="0"/>
                 <a:cs typeface="Times New Roman" panose="02020603050405020304" pitchFamily="18" charset="0"/>
               </a:rPr>
-              <a:t>Software</a:t>
+              <a:t>Visual Studio</a:t>
+            </a:r>
+          </a:p>
+          <a:p>
+            <a:r>
+              <a:rPr lang="en-US" dirty="0">
+                <a:latin typeface="Times New Roman" panose="02020603050405020304" pitchFamily="18" charset="0"/>
+                <a:cs typeface="Times New Roman" panose="02020603050405020304" pitchFamily="18" charset="0"/>
+              </a:rPr>
+              <a:t>Team Foundation Server</a:t>
+            </a:r>
+          </a:p>
+          <a:p>
+            <a:r>
+              <a:rPr lang="en-US" dirty="0">
+                <a:latin typeface="Times New Roman" panose="02020603050405020304" pitchFamily="18" charset="0"/>
+                <a:cs typeface="Times New Roman" panose="02020603050405020304" pitchFamily="18" charset="0"/>
+              </a:rPr>
+              <a:t>ERS and SRS</a:t>
+            </a:r>
+          </a:p>
+          <a:p>
+            <a:r>
+              <a:rPr lang="en-US" dirty="0">
+                <a:latin typeface="Times New Roman" panose="02020603050405020304" pitchFamily="18" charset="0"/>
+                <a:cs typeface="Times New Roman" panose="02020603050405020304" pitchFamily="18" charset="0"/>
+              </a:rPr>
+              <a:t>Test plan and test cases</a:t>
             </a:r>
           </a:p>
           <a:p>
@@ -3314,12 +3821,47 @@
               <a:cs typeface="Times New Roman" panose="02020603050405020304" pitchFamily="18" charset="0"/>
             </a:endParaRPr>
           </a:p>
+          <a:p>
+            <a:endParaRPr lang="en-US" dirty="0">
+              <a:latin typeface="Times New Roman" panose="02020603050405020304" pitchFamily="18" charset="0"/>
+              <a:cs typeface="Times New Roman" panose="02020603050405020304" pitchFamily="18" charset="0"/>
+            </a:endParaRPr>
+          </a:p>
+        </p:txBody>
+      </p:sp>
+      <p:sp>
+        <p:nvSpPr>
+          <p:cNvPr id="4" name="Slide Number Placeholder 3">
+            <a:extLst>
+              <a:ext uri="{FF2B5EF4-FFF2-40B4-BE49-F238E27FC236}">
+                <a16:creationId xmlns:a16="http://schemas.microsoft.com/office/drawing/2014/main" id="{F3788D39-5177-425F-BD33-A3617876B23E}"/>
+              </a:ext>
+            </a:extLst>
+          </p:cNvPr>
+          <p:cNvSpPr>
+            <a:spLocks noGrp="1"/>
+          </p:cNvSpPr>
+          <p:nvPr>
+            <p:ph type="sldNum" sz="quarter" idx="12"/>
+          </p:nvPr>
+        </p:nvSpPr>
+        <p:spPr/>
+        <p:txBody>
+          <a:bodyPr/>
+          <a:lstStyle/>
+          <a:p>
+            <a:fld id="{1B1F78DE-1176-43E1-8C31-23061FF69942}" type="slidenum">
+              <a:rPr lang="en-US" smtClean="0"/>
+              <a:t>4</a:t>
+            </a:fld>
+            <a:endParaRPr lang="en-US" dirty="0"/>
+          </a:p>
         </p:txBody>
       </p:sp>
     </p:spTree>
     <p:extLst>
       <p:ext uri="{BB962C8B-B14F-4D97-AF65-F5344CB8AC3E}">
-        <p14:creationId xmlns:p14="http://schemas.microsoft.com/office/powerpoint/2010/main" val="664641524"/>
+        <p14:creationId xmlns:p14="http://schemas.microsoft.com/office/powerpoint/2010/main" val="3005443770"/>
       </p:ext>
     </p:extLst>
   </p:cSld>
@@ -3366,7 +3908,7 @@
                 <a:latin typeface="Times New Roman" panose="02020603050405020304" pitchFamily="18" charset="0"/>
                 <a:cs typeface="Times New Roman" panose="02020603050405020304" pitchFamily="18" charset="0"/>
               </a:rPr>
-              <a:t>Test Engineering</a:t>
+              <a:t>Contributions</a:t>
             </a:r>
           </a:p>
         </p:txBody>
@@ -3387,67 +3929,84 @@
           <a:lstStyle/>
           <a:p>
             <a:r>
-              <a:rPr lang="en-US" dirty="0">
-                <a:latin typeface="Times New Roman" panose="02020603050405020304" pitchFamily="18" charset="0"/>
-                <a:cs typeface="Times New Roman" panose="02020603050405020304" pitchFamily="18" charset="0"/>
-              </a:rPr>
-              <a:t>C#</a:t>
-            </a:r>
-          </a:p>
-          <a:p>
-            <a:r>
-              <a:rPr lang="en-US" dirty="0">
-                <a:latin typeface="Times New Roman" panose="02020603050405020304" pitchFamily="18" charset="0"/>
-                <a:cs typeface="Times New Roman" panose="02020603050405020304" pitchFamily="18" charset="0"/>
-              </a:rPr>
-              <a:t>Visual Studio</a:t>
-            </a:r>
-          </a:p>
-          <a:p>
-            <a:r>
-              <a:rPr lang="en-US" dirty="0">
-                <a:latin typeface="Times New Roman" panose="02020603050405020304" pitchFamily="18" charset="0"/>
-                <a:cs typeface="Times New Roman" panose="02020603050405020304" pitchFamily="18" charset="0"/>
-              </a:rPr>
-              <a:t>Team Foundation Server</a:t>
-            </a:r>
-          </a:p>
-          <a:p>
-            <a:r>
-              <a:rPr lang="en-US" dirty="0">
-                <a:latin typeface="Times New Roman" panose="02020603050405020304" pitchFamily="18" charset="0"/>
-                <a:cs typeface="Times New Roman" panose="02020603050405020304" pitchFamily="18" charset="0"/>
-              </a:rPr>
-              <a:t>ERS and SRS</a:t>
-            </a:r>
-          </a:p>
-          <a:p>
-            <a:r>
-              <a:rPr lang="en-US" dirty="0">
-                <a:latin typeface="Times New Roman" panose="02020603050405020304" pitchFamily="18" charset="0"/>
-                <a:cs typeface="Times New Roman" panose="02020603050405020304" pitchFamily="18" charset="0"/>
-              </a:rPr>
-              <a:t>Test plan and test cases</a:t>
-            </a:r>
-          </a:p>
-          <a:p>
-            <a:endParaRPr lang="en-US" dirty="0">
-              <a:latin typeface="Times New Roman" panose="02020603050405020304" pitchFamily="18" charset="0"/>
-              <a:cs typeface="Times New Roman" panose="02020603050405020304" pitchFamily="18" charset="0"/>
-            </a:endParaRPr>
-          </a:p>
-          <a:p>
-            <a:endParaRPr lang="en-US" dirty="0">
-              <a:latin typeface="Times New Roman" panose="02020603050405020304" pitchFamily="18" charset="0"/>
-              <a:cs typeface="Times New Roman" panose="02020603050405020304" pitchFamily="18" charset="0"/>
-            </a:endParaRPr>
+              <a:rPr lang="en-US" dirty="0"/>
+              <a:t>Ran tests for different touchscreen firmware releases.</a:t>
+            </a:r>
+          </a:p>
+          <a:p>
+            <a:r>
+              <a:rPr lang="en-US" dirty="0"/>
+              <a:t>Written 11 new methods or enhancements to existing methods in the CommandLib.</a:t>
+            </a:r>
+          </a:p>
+          <a:p>
+            <a:r>
+              <a:rPr lang="en-US" dirty="0"/>
+              <a:t>Made changes to scripts to reflect changes made in touchscreen firmware.</a:t>
+            </a:r>
+          </a:p>
+          <a:p>
+            <a:r>
+              <a:rPr lang="en-US" dirty="0"/>
+              <a:t>Performed a smoke test for Touchscreen ver.1.0.1707.2751</a:t>
+            </a:r>
+          </a:p>
+          <a:p>
+            <a:r>
+              <a:rPr lang="en-US" dirty="0"/>
+              <a:t>Merged the two variations of BlueJay_FWTS into one solution with comprehensive test scripts and updated library.</a:t>
+            </a:r>
+          </a:p>
+          <a:p>
+            <a:r>
+              <a:rPr lang="en-US" dirty="0"/>
+              <a:t>Helped to restart using TFS source control for test scripts.</a:t>
+            </a:r>
+          </a:p>
+          <a:p>
+            <a:endParaRPr lang="en-US" dirty="0"/>
+          </a:p>
+          <a:p>
+            <a:endParaRPr lang="en-US" dirty="0"/>
+          </a:p>
+          <a:p>
+            <a:endParaRPr lang="en-US" dirty="0"/>
+          </a:p>
+        </p:txBody>
+      </p:sp>
+      <p:sp>
+        <p:nvSpPr>
+          <p:cNvPr id="4" name="Slide Number Placeholder 3">
+            <a:extLst>
+              <a:ext uri="{FF2B5EF4-FFF2-40B4-BE49-F238E27FC236}">
+                <a16:creationId xmlns:a16="http://schemas.microsoft.com/office/drawing/2014/main" id="{AEFA9F6F-EF54-446C-B963-42C5F8653802}"/>
+              </a:ext>
+            </a:extLst>
+          </p:cNvPr>
+          <p:cNvSpPr>
+            <a:spLocks noGrp="1"/>
+          </p:cNvSpPr>
+          <p:nvPr>
+            <p:ph type="sldNum" sz="quarter" idx="12"/>
+          </p:nvPr>
+        </p:nvSpPr>
+        <p:spPr/>
+        <p:txBody>
+          <a:bodyPr/>
+          <a:lstStyle/>
+          <a:p>
+            <a:fld id="{1B1F78DE-1176-43E1-8C31-23061FF69942}" type="slidenum">
+              <a:rPr lang="en-US" smtClean="0"/>
+              <a:t>5</a:t>
+            </a:fld>
+            <a:endParaRPr lang="en-US" dirty="0"/>
           </a:p>
         </p:txBody>
       </p:sp>
     </p:spTree>
     <p:extLst>
       <p:ext uri="{BB962C8B-B14F-4D97-AF65-F5344CB8AC3E}">
-        <p14:creationId xmlns:p14="http://schemas.microsoft.com/office/powerpoint/2010/main" val="3005443770"/>
+        <p14:creationId xmlns:p14="http://schemas.microsoft.com/office/powerpoint/2010/main" val="3913013347"/>
       </p:ext>
     </p:extLst>
   </p:cSld>
@@ -3494,7 +4053,7 @@
                 <a:latin typeface="Times New Roman" panose="02020603050405020304" pitchFamily="18" charset="0"/>
                 <a:cs typeface="Times New Roman" panose="02020603050405020304" pitchFamily="18" charset="0"/>
               </a:rPr>
-              <a:t>Contributions</a:t>
+              <a:t>Difficulties</a:t>
             </a:r>
           </a:p>
         </p:txBody>
@@ -3516,48 +4075,75 @@
           <a:p>
             <a:r>
               <a:rPr lang="en-US" dirty="0"/>
-              <a:t>Ran tests for different touchscreen firmware releases.</a:t>
+              <a:t>Running and debugging scripts can be more tedious than expected.</a:t>
             </a:r>
           </a:p>
           <a:p>
             <a:r>
               <a:rPr lang="en-US" dirty="0"/>
-              <a:t>Written 11 new methods or enhancements to existing methods in the CommandLib.</a:t>
-            </a:r>
-          </a:p>
-          <a:p>
+              <a:t>Small details can often be easily overlooked.</a:t>
+            </a:r>
+          </a:p>
+          <a:p>
+            <a:pPr lvl="1"/>
             <a:r>
               <a:rPr lang="en-US" dirty="0"/>
-              <a:t>Made changes to scripts to reflect changes made in touchscreen firmware.</a:t>
-            </a:r>
-          </a:p>
-          <a:p>
+              <a:t>Making sure the correct files were non-readonly.</a:t>
+            </a:r>
+          </a:p>
+          <a:p>
+            <a:pPr lvl="1"/>
             <a:r>
               <a:rPr lang="en-US" dirty="0"/>
-              <a:t>Performed a smoke test for  </a:t>
+              <a:t>Checking the correct properties were enabled (i.e. ForceSensingTips)</a:t>
             </a:r>
           </a:p>
           <a:p>
             <a:r>
               <a:rPr lang="en-US" dirty="0"/>
-              <a:t>Merged the two variations of </a:t>
-            </a:r>
-            <a:r>
-              <a:rPr lang="en-US" dirty="0" err="1"/>
-              <a:t>BlueJay_FWTS</a:t>
-            </a:r>
+              <a:t>Connecting the purpose of the various documents with each other.</a:t>
+            </a:r>
+          </a:p>
+          <a:p>
+            <a:pPr lvl="1"/>
             <a:r>
               <a:rPr lang="en-US" dirty="0"/>
-              <a:t> into one solution with comprehensive test scripts and updated library.</a:t>
-            </a:r>
-          </a:p>
-          <a:p>
-            <a:endParaRPr lang="en-US" dirty="0"/>
-          </a:p>
-          <a:p>
-            <a:endParaRPr lang="en-US" dirty="0"/>
-          </a:p>
-          <a:p>
+              <a:t>e.g. the ERS documents with the test cases.</a:t>
+            </a:r>
+          </a:p>
+          <a:p>
+            <a:endParaRPr lang="en-US" dirty="0"/>
+          </a:p>
+          <a:p>
+            <a:endParaRPr lang="en-US" dirty="0"/>
+          </a:p>
+        </p:txBody>
+      </p:sp>
+      <p:sp>
+        <p:nvSpPr>
+          <p:cNvPr id="4" name="Slide Number Placeholder 3">
+            <a:extLst>
+              <a:ext uri="{FF2B5EF4-FFF2-40B4-BE49-F238E27FC236}">
+                <a16:creationId xmlns:a16="http://schemas.microsoft.com/office/drawing/2014/main" id="{B29FE5AC-09DC-4D64-80BB-1F7C5FD4F4FD}"/>
+              </a:ext>
+            </a:extLst>
+          </p:cNvPr>
+          <p:cNvSpPr>
+            <a:spLocks noGrp="1"/>
+          </p:cNvSpPr>
+          <p:nvPr>
+            <p:ph type="sldNum" sz="quarter" idx="12"/>
+          </p:nvPr>
+        </p:nvSpPr>
+        <p:spPr/>
+        <p:txBody>
+          <a:bodyPr/>
+          <a:lstStyle/>
+          <a:p>
+            <a:fld id="{1B1F78DE-1176-43E1-8C31-23061FF69942}" type="slidenum">
+              <a:rPr lang="en-US" smtClean="0"/>
+              <a:t>6</a:t>
+            </a:fld>
             <a:endParaRPr lang="en-US" dirty="0"/>
           </a:p>
         </p:txBody>
@@ -3565,7 +4151,7 @@
     </p:spTree>
     <p:extLst>
       <p:ext uri="{BB962C8B-B14F-4D97-AF65-F5344CB8AC3E}">
-        <p14:creationId xmlns:p14="http://schemas.microsoft.com/office/powerpoint/2010/main" val="3913013347"/>
+        <p14:creationId xmlns:p14="http://schemas.microsoft.com/office/powerpoint/2010/main" val="3698711164"/>
       </p:ext>
     </p:extLst>
   </p:cSld>
@@ -3612,7 +4198,7 @@
                 <a:latin typeface="Times New Roman" panose="02020603050405020304" pitchFamily="18" charset="0"/>
                 <a:cs typeface="Times New Roman" panose="02020603050405020304" pitchFamily="18" charset="0"/>
               </a:rPr>
-              <a:t>Difficulties</a:t>
+              <a:t>Key Learnings</a:t>
             </a:r>
           </a:p>
         </p:txBody>
@@ -3634,103 +4220,15 @@
           <a:p>
             <a:r>
               <a:rPr lang="en-US" dirty="0"/>
-              <a:t>Running and debugging scripts can be more tedious than expected.</a:t>
-            </a:r>
-          </a:p>
-          <a:p>
-            <a:endParaRPr lang="en-US" dirty="0"/>
-          </a:p>
-        </p:txBody>
-      </p:sp>
-    </p:spTree>
-    <p:extLst>
-      <p:ext uri="{BB962C8B-B14F-4D97-AF65-F5344CB8AC3E}">
-        <p14:creationId xmlns:p14="http://schemas.microsoft.com/office/powerpoint/2010/main" val="3698711164"/>
-      </p:ext>
-    </p:extLst>
-  </p:cSld>
-  <p:clrMapOvr>
-    <a:masterClrMapping/>
-  </p:clrMapOvr>
-</p:sld>
-</file>
-
-<file path=ppt/slides/slide8.xml><?xml version="1.0" encoding="utf-8"?>
-<p:sld xmlns:a="http://schemas.openxmlformats.org/drawingml/2006/main" xmlns:r="http://schemas.openxmlformats.org/officeDocument/2006/relationships" xmlns:p="http://schemas.openxmlformats.org/presentationml/2006/main">
-  <p:cSld>
-    <p:spTree>
-      <p:nvGrpSpPr>
-        <p:cNvPr id="1" name=""/>
-        <p:cNvGrpSpPr/>
-        <p:nvPr/>
-      </p:nvGrpSpPr>
-      <p:grpSpPr>
-        <a:xfrm>
-          <a:off x="0" y="0"/>
-          <a:ext cx="0" cy="0"/>
-          <a:chOff x="0" y="0"/>
-          <a:chExt cx="0" cy="0"/>
-        </a:xfrm>
-      </p:grpSpPr>
-      <p:sp>
-        <p:nvSpPr>
-          <p:cNvPr id="2" name="Title 1"/>
-          <p:cNvSpPr>
-            <a:spLocks noGrp="1"/>
-          </p:cNvSpPr>
-          <p:nvPr>
-            <p:ph type="title"/>
-          </p:nvPr>
-        </p:nvSpPr>
-        <p:spPr/>
-        <p:txBody>
-          <a:bodyPr/>
-          <a:lstStyle/>
-          <a:p>
-            <a:r>
-              <a:rPr lang="en-US" dirty="0">
-                <a:latin typeface="Times New Roman" panose="02020603050405020304" pitchFamily="18" charset="0"/>
-                <a:cs typeface="Times New Roman" panose="02020603050405020304" pitchFamily="18" charset="0"/>
-              </a:rPr>
-              <a:t>Key Learnings</a:t>
-            </a:r>
-          </a:p>
-        </p:txBody>
-      </p:sp>
-      <p:sp>
-        <p:nvSpPr>
-          <p:cNvPr id="3" name="Content Placeholder 2"/>
-          <p:cNvSpPr>
-            <a:spLocks noGrp="1"/>
-          </p:cNvSpPr>
-          <p:nvPr>
-            <p:ph idx="1"/>
-          </p:nvPr>
-        </p:nvSpPr>
-        <p:spPr/>
-        <p:txBody>
-          <a:bodyPr/>
-          <a:lstStyle/>
-          <a:p>
-            <a:r>
-              <a:rPr lang="en-US" dirty="0"/>
-              <a:t>Become proficient with </a:t>
+              <a:t>Become proficient with:</a:t>
             </a:r>
           </a:p>
           <a:p>
             <a:pPr lvl="1"/>
             <a:r>
               <a:rPr lang="en-US" sz="2600" dirty="0"/>
-              <a:t>the use of Visual Basic and C#</a:t>
-            </a:r>
-          </a:p>
-          <a:p>
-            <a:pPr lvl="1"/>
-            <a:r>
-              <a:rPr lang="en-US" sz="2600"/>
-              <a:t>T</a:t>
-            </a:r>
-            <a:endParaRPr lang="en-US" sz="2600" dirty="0"/>
+              <a:t>the use of Visual Studio and C#</a:t>
+            </a:r>
           </a:p>
           <a:p>
             <a:pPr lvl="1"/>
@@ -3754,10 +4252,49 @@
             </a:r>
           </a:p>
           <a:p>
-            <a:pPr lvl="1"/>
-            <a:endParaRPr lang="en-US" sz="2600" dirty="0"/>
-          </a:p>
-          <a:p>
+            <a:r>
+              <a:rPr lang="en-US" sz="3000" dirty="0"/>
+              <a:t>The importance of </a:t>
+            </a:r>
+            <a:r>
+              <a:rPr lang="en-US" dirty="0"/>
+              <a:t>keeping</a:t>
+            </a:r>
+            <a:r>
+              <a:rPr lang="en-US" sz="3000" dirty="0"/>
+              <a:t> logs (from tests to daily tasks).</a:t>
+            </a:r>
+          </a:p>
+          <a:p>
+            <a:endParaRPr lang="en-US" dirty="0"/>
+          </a:p>
+        </p:txBody>
+      </p:sp>
+      <p:sp>
+        <p:nvSpPr>
+          <p:cNvPr id="4" name="Slide Number Placeholder 3">
+            <a:extLst>
+              <a:ext uri="{FF2B5EF4-FFF2-40B4-BE49-F238E27FC236}">
+                <a16:creationId xmlns:a16="http://schemas.microsoft.com/office/drawing/2014/main" id="{8E0753C7-D05E-44EE-9EB3-D77121403C11}"/>
+              </a:ext>
+            </a:extLst>
+          </p:cNvPr>
+          <p:cNvSpPr>
+            <a:spLocks noGrp="1"/>
+          </p:cNvSpPr>
+          <p:nvPr>
+            <p:ph type="sldNum" sz="quarter" idx="12"/>
+          </p:nvPr>
+        </p:nvSpPr>
+        <p:spPr/>
+        <p:txBody>
+          <a:bodyPr/>
+          <a:lstStyle/>
+          <a:p>
+            <a:fld id="{1B1F78DE-1176-43E1-8C31-23061FF69942}" type="slidenum">
+              <a:rPr lang="en-US" smtClean="0"/>
+              <a:t>7</a:t>
+            </a:fld>
             <a:endParaRPr lang="en-US" dirty="0"/>
           </a:p>
         </p:txBody>
@@ -4068,4 +4605,299 @@
     </a:ext>
   </a:extLst>
 </a:theme>
+</file>
+
+<file path=ppt/theme/theme2.xml><?xml version="1.0" encoding="utf-8"?>
+<a:theme xmlns:a="http://schemas.openxmlformats.org/drawingml/2006/main" name="Office Theme">
+  <a:themeElements>
+    <a:clrScheme name="Office">
+      <a:dk1>
+        <a:sysClr val="windowText" lastClr="000000"/>
+      </a:dk1>
+      <a:lt1>
+        <a:sysClr val="window" lastClr="FFFFFF"/>
+      </a:lt1>
+      <a:dk2>
+        <a:srgbClr val="44546A"/>
+      </a:dk2>
+      <a:lt2>
+        <a:srgbClr val="E7E6E6"/>
+      </a:lt2>
+      <a:accent1>
+        <a:srgbClr val="4472C4"/>
+      </a:accent1>
+      <a:accent2>
+        <a:srgbClr val="ED7D31"/>
+      </a:accent2>
+      <a:accent3>
+        <a:srgbClr val="A5A5A5"/>
+      </a:accent3>
+      <a:accent4>
+        <a:srgbClr val="FFC000"/>
+      </a:accent4>
+      <a:accent5>
+        <a:srgbClr val="5B9BD5"/>
+      </a:accent5>
+      <a:accent6>
+        <a:srgbClr val="70AD47"/>
+      </a:accent6>
+      <a:hlink>
+        <a:srgbClr val="0563C1"/>
+      </a:hlink>
+      <a:folHlink>
+        <a:srgbClr val="954F72"/>
+      </a:folHlink>
+    </a:clrScheme>
+    <a:fontScheme name="Office">
+      <a:majorFont>
+        <a:latin typeface="Calibri Light" panose="020F0302020204030204"/>
+        <a:ea typeface=""/>
+        <a:cs typeface=""/>
+        <a:font script="Jpan" typeface="游ゴシック Light"/>
+        <a:font script="Hang" typeface="맑은 고딕"/>
+        <a:font script="Hans" typeface="等线 Light"/>
+        <a:font script="Hant" typeface="新細明體"/>
+        <a:font script="Arab" typeface="Times New Roman"/>
+        <a:font script="Hebr" typeface="Times New Roman"/>
+        <a:font script="Thai" typeface="Angsana New"/>
+        <a:font script="Ethi" typeface="Nyala"/>
+        <a:font script="Beng" typeface="Vrinda"/>
+        <a:font script="Gujr" typeface="Shruti"/>
+        <a:font script="Khmr" typeface="MoolBoran"/>
+        <a:font script="Knda" typeface="Tunga"/>
+        <a:font script="Guru" typeface="Raavi"/>
+        <a:font script="Cans" typeface="Euphemia"/>
+        <a:font script="Cher" typeface="Plantagenet Cherokee"/>
+        <a:font script="Yiii" typeface="Microsoft Yi Baiti"/>
+        <a:font script="Tibt" typeface="Microsoft Himalaya"/>
+        <a:font script="Thaa" typeface="MV Boli"/>
+        <a:font script="Deva" typeface="Mangal"/>
+        <a:font script="Telu" typeface="Gautami"/>
+        <a:font script="Taml" typeface="Latha"/>
+        <a:font script="Syrc" typeface="Estrangelo Edessa"/>
+        <a:font script="Orya" typeface="Kalinga"/>
+        <a:font script="Mlym" typeface="Kartika"/>
+        <a:font script="Laoo" typeface="DokChampa"/>
+        <a:font script="Sinh" typeface="Iskoola Pota"/>
+        <a:font script="Mong" typeface="Mongolian Baiti"/>
+        <a:font script="Viet" typeface="Times New Roman"/>
+        <a:font script="Uigh" typeface="Microsoft Uighur"/>
+        <a:font script="Geor" typeface="Sylfaen"/>
+        <a:font script="Armn" typeface="Arial"/>
+        <a:font script="Bugi" typeface="Leelawadee UI"/>
+        <a:font script="Bopo" typeface="Microsoft JhengHei"/>
+        <a:font script="Java" typeface="Javanese Text"/>
+        <a:font script="Lisu" typeface="Segoe UI"/>
+        <a:font script="Mymr" typeface="Myanmar Text"/>
+        <a:font script="Nkoo" typeface="Ebrima"/>
+        <a:font script="Olck" typeface="Nirmala UI"/>
+        <a:font script="Osma" typeface="Ebrima"/>
+        <a:font script="Phag" typeface="Phagspa"/>
+        <a:font script="Syrn" typeface="Estrangelo Edessa"/>
+        <a:font script="Syrj" typeface="Estrangelo Edessa"/>
+        <a:font script="Syre" typeface="Estrangelo Edessa"/>
+        <a:font script="Sora" typeface="Nirmala UI"/>
+        <a:font script="Tale" typeface="Microsoft Tai Le"/>
+        <a:font script="Talu" typeface="Microsoft New Tai Lue"/>
+        <a:font script="Tfng" typeface="Ebrima"/>
+      </a:majorFont>
+      <a:minorFont>
+        <a:latin typeface="Calibri" panose="020F0502020204030204"/>
+        <a:ea typeface=""/>
+        <a:cs typeface=""/>
+        <a:font script="Jpan" typeface="游ゴシック"/>
+        <a:font script="Hang" typeface="맑은 고딕"/>
+        <a:font script="Hans" typeface="等线"/>
+        <a:font script="Hant" typeface="新細明體"/>
+        <a:font script="Arab" typeface="Arial"/>
+        <a:font script="Hebr" typeface="Arial"/>
+        <a:font script="Thai" typeface="Cordia New"/>
+        <a:font script="Ethi" typeface="Nyala"/>
+        <a:font script="Beng" typeface="Vrinda"/>
+        <a:font script="Gujr" typeface="Shruti"/>
+        <a:font script="Khmr" typeface="DaunPenh"/>
+        <a:font script="Knda" typeface="Tunga"/>
+        <a:font script="Guru" typeface="Raavi"/>
+        <a:font script="Cans" typeface="Euphemia"/>
+        <a:font script="Cher" typeface="Plantagenet Cherokee"/>
+        <a:font script="Yiii" typeface="Microsoft Yi Baiti"/>
+        <a:font script="Tibt" typeface="Microsoft Himalaya"/>
+        <a:font script="Thaa" typeface="MV Boli"/>
+        <a:font script="Deva" typeface="Mangal"/>
+        <a:font script="Telu" typeface="Gautami"/>
+        <a:font script="Taml" typeface="Latha"/>
+        <a:font script="Syrc" typeface="Estrangelo Edessa"/>
+        <a:font script="Orya" typeface="Kalinga"/>
+        <a:font script="Mlym" typeface="Kartika"/>
+        <a:font script="Laoo" typeface="DokChampa"/>
+        <a:font script="Sinh" typeface="Iskoola Pota"/>
+        <a:font script="Mong" typeface="Mongolian Baiti"/>
+        <a:font script="Viet" typeface="Arial"/>
+        <a:font script="Uigh" typeface="Microsoft Uighur"/>
+        <a:font script="Geor" typeface="Sylfaen"/>
+        <a:font script="Armn" typeface="Arial"/>
+        <a:font script="Bugi" typeface="Leelawadee UI"/>
+        <a:font script="Bopo" typeface="Microsoft JhengHei"/>
+        <a:font script="Java" typeface="Javanese Text"/>
+        <a:font script="Lisu" typeface="Segoe UI"/>
+        <a:font script="Mymr" typeface="Myanmar Text"/>
+        <a:font script="Nkoo" typeface="Ebrima"/>
+        <a:font script="Olck" typeface="Nirmala UI"/>
+        <a:font script="Osma" typeface="Ebrima"/>
+        <a:font script="Phag" typeface="Phagspa"/>
+        <a:font script="Syrn" typeface="Estrangelo Edessa"/>
+        <a:font script="Syrj" typeface="Estrangelo Edessa"/>
+        <a:font script="Syre" typeface="Estrangelo Edessa"/>
+        <a:font script="Sora" typeface="Nirmala UI"/>
+        <a:font script="Tale" typeface="Microsoft Tai Le"/>
+        <a:font script="Talu" typeface="Microsoft New Tai Lue"/>
+        <a:font script="Tfng" typeface="Ebrima"/>
+      </a:minorFont>
+    </a:fontScheme>
+    <a:fmtScheme name="Office">
+      <a:fillStyleLst>
+        <a:solidFill>
+          <a:schemeClr val="phClr"/>
+        </a:solidFill>
+        <a:gradFill rotWithShape="1">
+          <a:gsLst>
+            <a:gs pos="0">
+              <a:schemeClr val="phClr">
+                <a:lumMod val="110000"/>
+                <a:satMod val="105000"/>
+                <a:tint val="67000"/>
+              </a:schemeClr>
+            </a:gs>
+            <a:gs pos="50000">
+              <a:schemeClr val="phClr">
+                <a:lumMod val="105000"/>
+                <a:satMod val="103000"/>
+                <a:tint val="73000"/>
+              </a:schemeClr>
+            </a:gs>
+            <a:gs pos="100000">
+              <a:schemeClr val="phClr">
+                <a:lumMod val="105000"/>
+                <a:satMod val="109000"/>
+                <a:tint val="81000"/>
+              </a:schemeClr>
+            </a:gs>
+          </a:gsLst>
+          <a:lin ang="5400000" scaled="0"/>
+        </a:gradFill>
+        <a:gradFill rotWithShape="1">
+          <a:gsLst>
+            <a:gs pos="0">
+              <a:schemeClr val="phClr">
+                <a:satMod val="103000"/>
+                <a:lumMod val="102000"/>
+                <a:tint val="94000"/>
+              </a:schemeClr>
+            </a:gs>
+            <a:gs pos="50000">
+              <a:schemeClr val="phClr">
+                <a:satMod val="110000"/>
+                <a:lumMod val="100000"/>
+                <a:shade val="100000"/>
+              </a:schemeClr>
+            </a:gs>
+            <a:gs pos="100000">
+              <a:schemeClr val="phClr">
+                <a:lumMod val="99000"/>
+                <a:satMod val="120000"/>
+                <a:shade val="78000"/>
+              </a:schemeClr>
+            </a:gs>
+          </a:gsLst>
+          <a:lin ang="5400000" scaled="0"/>
+        </a:gradFill>
+      </a:fillStyleLst>
+      <a:lnStyleLst>
+        <a:ln w="6350" cap="flat" cmpd="sng" algn="ctr">
+          <a:solidFill>
+            <a:schemeClr val="phClr"/>
+          </a:solidFill>
+          <a:prstDash val="solid"/>
+          <a:miter lim="800000"/>
+        </a:ln>
+        <a:ln w="12700" cap="flat" cmpd="sng" algn="ctr">
+          <a:solidFill>
+            <a:schemeClr val="phClr"/>
+          </a:solidFill>
+          <a:prstDash val="solid"/>
+          <a:miter lim="800000"/>
+        </a:ln>
+        <a:ln w="19050" cap="flat" cmpd="sng" algn="ctr">
+          <a:solidFill>
+            <a:schemeClr val="phClr"/>
+          </a:solidFill>
+          <a:prstDash val="solid"/>
+          <a:miter lim="800000"/>
+        </a:ln>
+      </a:lnStyleLst>
+      <a:effectStyleLst>
+        <a:effectStyle>
+          <a:effectLst/>
+        </a:effectStyle>
+        <a:effectStyle>
+          <a:effectLst/>
+        </a:effectStyle>
+        <a:effectStyle>
+          <a:effectLst>
+            <a:outerShdw blurRad="57150" dist="19050" dir="5400000" algn="ctr" rotWithShape="0">
+              <a:srgbClr val="000000">
+                <a:alpha val="63000"/>
+              </a:srgbClr>
+            </a:outerShdw>
+          </a:effectLst>
+        </a:effectStyle>
+      </a:effectStyleLst>
+      <a:bgFillStyleLst>
+        <a:solidFill>
+          <a:schemeClr val="phClr"/>
+        </a:solidFill>
+        <a:solidFill>
+          <a:schemeClr val="phClr">
+            <a:tint val="95000"/>
+            <a:satMod val="170000"/>
+          </a:schemeClr>
+        </a:solidFill>
+        <a:gradFill rotWithShape="1">
+          <a:gsLst>
+            <a:gs pos="0">
+              <a:schemeClr val="phClr">
+                <a:tint val="93000"/>
+                <a:satMod val="150000"/>
+                <a:shade val="98000"/>
+                <a:lumMod val="102000"/>
+              </a:schemeClr>
+            </a:gs>
+            <a:gs pos="50000">
+              <a:schemeClr val="phClr">
+                <a:tint val="98000"/>
+                <a:satMod val="130000"/>
+                <a:shade val="90000"/>
+                <a:lumMod val="103000"/>
+              </a:schemeClr>
+            </a:gs>
+            <a:gs pos="100000">
+              <a:schemeClr val="phClr">
+                <a:shade val="63000"/>
+                <a:satMod val="120000"/>
+              </a:schemeClr>
+            </a:gs>
+          </a:gsLst>
+          <a:lin ang="5400000" scaled="0"/>
+        </a:gradFill>
+      </a:bgFillStyleLst>
+    </a:fmtScheme>
+  </a:themeElements>
+  <a:objectDefaults/>
+  <a:extraClrSchemeLst/>
+  <a:extLst>
+    <a:ext uri="{05A4C25C-085E-4340-85A3-A5531E510DB2}">
+      <thm15:themeFamily xmlns:thm15="http://schemas.microsoft.com/office/thememl/2012/main" name="Office Theme" id="{62F939B6-93AF-4DB8-9C6B-D6C7DFDC589F}" vid="{4A3C46E8-61CC-4603-A589-7422A47A8E4A}"/>
+    </a:ext>
+  </a:extLst>
+</a:theme>
 </file>